--- a/开题答辩报告.pptx
+++ b/开题答辩报告.pptx
@@ -224,7 +224,7 @@
           <a:p>
             <a:fld id="{D2A48B96-639E-45A3-A0BA-2464DFDB1FAA}" type="datetimeFigureOut">
               <a:rPr lang="zh-CN" altLang="en-US" smtClean="0"/>
-              <a:t>2025/9/4</a:t>
+              <a:t>2025/9/5</a:t>
             </a:fld>
             <a:endParaRPr lang="zh-CN" altLang="en-US"/>
           </a:p>
@@ -519,7 +519,7 @@
           <a:p>
             <a:fld id="{48D51B83-3AD9-4DAD-A4E1-0FBA75FCB488}" type="datetimeFigureOut">
               <a:rPr lang="zh-CN" altLang="en-US" smtClean="0"/>
-              <a:t>2025/9/4</a:t>
+              <a:t>2025/9/5</a:t>
             </a:fld>
             <a:endParaRPr lang="zh-CN" altLang="en-US"/>
           </a:p>
@@ -1783,7 +1783,7 @@
           <a:p>
             <a:fld id="{D997B5FA-0921-464F-AAE1-844C04324D75}" type="datetimeFigureOut">
               <a:rPr lang="zh-CN" altLang="en-US" smtClean="0"/>
-              <a:t>2025/9/4</a:t>
+              <a:t>2025/9/5</a:t>
             </a:fld>
             <a:endParaRPr lang="zh-CN" altLang="en-US"/>
           </a:p>
@@ -2017,7 +2017,7 @@
           <a:p>
             <a:fld id="{D997B5FA-0921-464F-AAE1-844C04324D75}" type="datetimeFigureOut">
               <a:rPr lang="zh-CN" altLang="en-US" smtClean="0"/>
-              <a:t>2025/9/4</a:t>
+              <a:t>2025/9/5</a:t>
             </a:fld>
             <a:endParaRPr lang="zh-CN" altLang="en-US"/>
           </a:p>
@@ -5757,7 +5757,7 @@
               <a:rPr lang="zh-CN" altLang="en-US" sz="2400" dirty="0">
                 <a:latin typeface="+mn-ea"/>
               </a:rPr>
-              <a:t>级任务要求对动态网页内容实时识别与控制，而微博移动端接口采用 </a:t>
+              <a:t>级任务要求对动态网页内容实时识别与控制，而微博接口采用 </a:t>
             </a:r>
             <a:r>
               <a:rPr lang="en-US" altLang="zh-CN" sz="2400" dirty="0">
